--- a/PresentationStitches.pptx
+++ b/PresentationStitches.pptx
@@ -6,14 +6,15 @@
   </p:sldMasterIdLst>
   <p:sldIdLst>
     <p:sldId id="256" r:id="rId2"/>
-    <p:sldId id="257" r:id="rId3"/>
-    <p:sldId id="258" r:id="rId4"/>
-    <p:sldId id="259" r:id="rId5"/>
-    <p:sldId id="260" r:id="rId6"/>
-    <p:sldId id="261" r:id="rId7"/>
-    <p:sldId id="262" r:id="rId8"/>
-    <p:sldId id="263" r:id="rId9"/>
-    <p:sldId id="264" r:id="rId10"/>
+    <p:sldId id="265" r:id="rId3"/>
+    <p:sldId id="257" r:id="rId4"/>
+    <p:sldId id="258" r:id="rId5"/>
+    <p:sldId id="259" r:id="rId6"/>
+    <p:sldId id="260" r:id="rId7"/>
+    <p:sldId id="261" r:id="rId8"/>
+    <p:sldId id="262" r:id="rId9"/>
+    <p:sldId id="263" r:id="rId10"/>
+    <p:sldId id="264" r:id="rId11"/>
   </p:sldIdLst>
   <p:sldSz cx="12192000" cy="6858000"/>
   <p:notesSz cx="6858000" cy="9144000"/>
@@ -277,7 +278,7 @@
           <a:p>
             <a:fld id="{F4D57BDD-E64A-4D27-8978-82FFCA18A12C}" type="datetimeFigureOut">
               <a:rPr lang="en-US" smtClean="0"/>
-              <a:t>12/16/2020</a:t>
+              <a:t>12/17/2020</a:t>
             </a:fld>
             <a:endParaRPr lang="en-US"/>
           </a:p>
@@ -486,7 +487,7 @@
           <a:p>
             <a:fld id="{F4D57BDD-E64A-4D27-8978-82FFCA18A12C}" type="datetimeFigureOut">
               <a:rPr lang="en-US" smtClean="0"/>
-              <a:t>12/16/2020</a:t>
+              <a:t>12/17/2020</a:t>
             </a:fld>
             <a:endParaRPr lang="en-US"/>
           </a:p>
@@ -694,7 +695,7 @@
           <a:p>
             <a:fld id="{F4D57BDD-E64A-4D27-8978-82FFCA18A12C}" type="datetimeFigureOut">
               <a:rPr lang="en-US" smtClean="0"/>
-              <a:t>12/16/2020</a:t>
+              <a:t>12/17/2020</a:t>
             </a:fld>
             <a:endParaRPr lang="en-US"/>
           </a:p>
@@ -892,7 +893,7 @@
           <a:p>
             <a:fld id="{F4D57BDD-E64A-4D27-8978-82FFCA18A12C}" type="datetimeFigureOut">
               <a:rPr lang="en-US" smtClean="0"/>
-              <a:t>12/16/2020</a:t>
+              <a:t>12/17/2020</a:t>
             </a:fld>
             <a:endParaRPr lang="en-US"/>
           </a:p>
@@ -1168,7 +1169,7 @@
           <a:p>
             <a:fld id="{F4D57BDD-E64A-4D27-8978-82FFCA18A12C}" type="datetimeFigureOut">
               <a:rPr lang="en-US" smtClean="0"/>
-              <a:t>12/16/2020</a:t>
+              <a:t>12/17/2020</a:t>
             </a:fld>
             <a:endParaRPr lang="en-US"/>
           </a:p>
@@ -1440,7 +1441,7 @@
           <a:p>
             <a:fld id="{F4D57BDD-E64A-4D27-8978-82FFCA18A12C}" type="datetimeFigureOut">
               <a:rPr lang="en-US" smtClean="0"/>
-              <a:t>12/16/2020</a:t>
+              <a:t>12/17/2020</a:t>
             </a:fld>
             <a:endParaRPr lang="en-US"/>
           </a:p>
@@ -1854,7 +1855,7 @@
           <a:p>
             <a:fld id="{F4D57BDD-E64A-4D27-8978-82FFCA18A12C}" type="datetimeFigureOut">
               <a:rPr lang="en-US" smtClean="0"/>
-              <a:t>12/16/2020</a:t>
+              <a:t>12/17/2020</a:t>
             </a:fld>
             <a:endParaRPr lang="en-US"/>
           </a:p>
@@ -2001,7 +2002,7 @@
           <a:p>
             <a:fld id="{F4D57BDD-E64A-4D27-8978-82FFCA18A12C}" type="datetimeFigureOut">
               <a:rPr lang="en-US" smtClean="0"/>
-              <a:t>12/16/2020</a:t>
+              <a:t>12/17/2020</a:t>
             </a:fld>
             <a:endParaRPr lang="en-US"/>
           </a:p>
@@ -2114,7 +2115,7 @@
           <a:p>
             <a:fld id="{F4D57BDD-E64A-4D27-8978-82FFCA18A12C}" type="datetimeFigureOut">
               <a:rPr lang="en-US" smtClean="0"/>
-              <a:t>12/16/2020</a:t>
+              <a:t>12/17/2020</a:t>
             </a:fld>
             <a:endParaRPr lang="en-US"/>
           </a:p>
@@ -2426,7 +2427,7 @@
           <a:p>
             <a:fld id="{F4D57BDD-E64A-4D27-8978-82FFCA18A12C}" type="datetimeFigureOut">
               <a:rPr lang="en-US" smtClean="0"/>
-              <a:t>12/16/2020</a:t>
+              <a:t>12/17/2020</a:t>
             </a:fld>
             <a:endParaRPr lang="en-US"/>
           </a:p>
@@ -2717,7 +2718,7 @@
           <a:p>
             <a:fld id="{F4D57BDD-E64A-4D27-8978-82FFCA18A12C}" type="datetimeFigureOut">
               <a:rPr lang="en-US" smtClean="0"/>
-              <a:t>12/16/2020</a:t>
+              <a:t>12/17/2020</a:t>
             </a:fld>
             <a:endParaRPr lang="en-US"/>
           </a:p>
@@ -2959,7 +2960,7 @@
             <a:fld id="{F4D57BDD-E64A-4D27-8978-82FFCA18A12C}" type="datetimeFigureOut">
               <a:rPr lang="en-US" smtClean="0"/>
               <a:pPr/>
-              <a:t>12/16/2020</a:t>
+              <a:t>12/17/2020</a:t>
             </a:fld>
             <a:endParaRPr lang="en-US" dirty="0"/>
           </a:p>
@@ -9493,703 +9494,7 @@
 </p:sld>
 </file>
 
-<file path=ppt/slides/slide2.xml><?xml version="1.0" encoding="utf-8"?>
-<p:sld xmlns:a="http://schemas.openxmlformats.org/drawingml/2006/main" xmlns:r="http://schemas.openxmlformats.org/officeDocument/2006/relationships" xmlns:p="http://schemas.openxmlformats.org/presentationml/2006/main">
-  <p:cSld>
-    <p:spTree>
-      <p:nvGrpSpPr>
-        <p:cNvPr id="1" name=""/>
-        <p:cNvGrpSpPr/>
-        <p:nvPr/>
-      </p:nvGrpSpPr>
-      <p:grpSpPr>
-        <a:xfrm>
-          <a:off x="0" y="0"/>
-          <a:ext cx="0" cy="0"/>
-          <a:chOff x="0" y="0"/>
-          <a:chExt cx="0" cy="0"/>
-        </a:xfrm>
-      </p:grpSpPr>
-      <p:sp>
-        <p:nvSpPr>
-          <p:cNvPr id="2" name="Titolo 1">
-            <a:extLst>
-              <a:ext uri="{FF2B5EF4-FFF2-40B4-BE49-F238E27FC236}">
-                <a16:creationId xmlns:a16="http://schemas.microsoft.com/office/drawing/2014/main" id="{502DE073-5861-40EE-9089-038440F4C986}"/>
-              </a:ext>
-            </a:extLst>
-          </p:cNvPr>
-          <p:cNvSpPr>
-            <a:spLocks noGrp="1"/>
-          </p:cNvSpPr>
-          <p:nvPr>
-            <p:ph type="title"/>
-          </p:nvPr>
-        </p:nvSpPr>
-        <p:spPr/>
-        <p:txBody>
-          <a:bodyPr/>
-          <a:lstStyle/>
-          <a:p>
-            <a:r>
-              <a:rPr lang="it-IT" dirty="0"/>
-              <a:t>REPOSITORY GITHUB</a:t>
-            </a:r>
-            <a:endParaRPr lang="en-US" dirty="0"/>
-          </a:p>
-        </p:txBody>
-      </p:sp>
-      <p:sp>
-        <p:nvSpPr>
-          <p:cNvPr id="3" name="Segnaposto contenuto 2">
-            <a:extLst>
-              <a:ext uri="{FF2B5EF4-FFF2-40B4-BE49-F238E27FC236}">
-                <a16:creationId xmlns:a16="http://schemas.microsoft.com/office/drawing/2014/main" id="{235BAC15-C788-42AE-AC54-E586102515BE}"/>
-              </a:ext>
-            </a:extLst>
-          </p:cNvPr>
-          <p:cNvSpPr>
-            <a:spLocks noGrp="1"/>
-          </p:cNvSpPr>
-          <p:nvPr>
-            <p:ph idx="1"/>
-          </p:nvPr>
-        </p:nvSpPr>
-        <p:spPr/>
-        <p:txBody>
-          <a:bodyPr/>
-          <a:lstStyle/>
-          <a:p>
-            <a:r>
-              <a:rPr lang="en-US" dirty="0"/>
-              <a:t>https://github.com/MatteoLoria/Stitches_MiniZinc</a:t>
-            </a:r>
-          </a:p>
-        </p:txBody>
-      </p:sp>
-    </p:spTree>
-    <p:extLst>
-      <p:ext uri="{BB962C8B-B14F-4D97-AF65-F5344CB8AC3E}">
-        <p14:creationId xmlns:p14="http://schemas.microsoft.com/office/powerpoint/2010/main" val="3266635093"/>
-      </p:ext>
-    </p:extLst>
-  </p:cSld>
-  <p:clrMapOvr>
-    <a:masterClrMapping/>
-  </p:clrMapOvr>
-</p:sld>
-</file>
-
-<file path=ppt/slides/slide3.xml><?xml version="1.0" encoding="utf-8"?>
-<p:sld xmlns:a="http://schemas.openxmlformats.org/drawingml/2006/main" xmlns:r="http://schemas.openxmlformats.org/officeDocument/2006/relationships" xmlns:p="http://schemas.openxmlformats.org/presentationml/2006/main">
-  <p:cSld>
-    <p:spTree>
-      <p:nvGrpSpPr>
-        <p:cNvPr id="1" name=""/>
-        <p:cNvGrpSpPr/>
-        <p:nvPr/>
-      </p:nvGrpSpPr>
-      <p:grpSpPr>
-        <a:xfrm>
-          <a:off x="0" y="0"/>
-          <a:ext cx="0" cy="0"/>
-          <a:chOff x="0" y="0"/>
-          <a:chExt cx="0" cy="0"/>
-        </a:xfrm>
-      </p:grpSpPr>
-      <p:sp>
-        <p:nvSpPr>
-          <p:cNvPr id="2" name="Titolo 1">
-            <a:extLst>
-              <a:ext uri="{FF2B5EF4-FFF2-40B4-BE49-F238E27FC236}">
-                <a16:creationId xmlns:a16="http://schemas.microsoft.com/office/drawing/2014/main" id="{12A99DBC-6505-4D00-8847-46906BBFE509}"/>
-              </a:ext>
-            </a:extLst>
-          </p:cNvPr>
-          <p:cNvSpPr>
-            <a:spLocks noGrp="1"/>
-          </p:cNvSpPr>
-          <p:nvPr>
-            <p:ph type="title"/>
-          </p:nvPr>
-        </p:nvSpPr>
-        <p:spPr/>
-        <p:txBody>
-          <a:bodyPr/>
-          <a:lstStyle/>
-          <a:p>
-            <a:r>
-              <a:rPr lang="it-IT" dirty="0" err="1"/>
-              <a:t>Minizinc</a:t>
-            </a:r>
-            <a:r>
-              <a:rPr lang="it-IT" dirty="0"/>
-              <a:t> Model &amp; Input </a:t>
-            </a:r>
-            <a:r>
-              <a:rPr lang="it-IT" dirty="0" err="1"/>
-              <a:t>Validation</a:t>
-            </a:r>
-            <a:endParaRPr lang="en-US" dirty="0"/>
-          </a:p>
-        </p:txBody>
-      </p:sp>
-    </p:spTree>
-    <p:extLst>
-      <p:ext uri="{BB962C8B-B14F-4D97-AF65-F5344CB8AC3E}">
-        <p14:creationId xmlns:p14="http://schemas.microsoft.com/office/powerpoint/2010/main" val="4199622824"/>
-      </p:ext>
-    </p:extLst>
-  </p:cSld>
-  <p:clrMapOvr>
-    <a:masterClrMapping/>
-  </p:clrMapOvr>
-</p:sld>
-</file>
-
-<file path=ppt/slides/slide4.xml><?xml version="1.0" encoding="utf-8"?>
-<p:sld xmlns:a="http://schemas.openxmlformats.org/drawingml/2006/main" xmlns:r="http://schemas.openxmlformats.org/officeDocument/2006/relationships" xmlns:p="http://schemas.openxmlformats.org/presentationml/2006/main">
-  <p:cSld>
-    <p:spTree>
-      <p:nvGrpSpPr>
-        <p:cNvPr id="1" name=""/>
-        <p:cNvGrpSpPr/>
-        <p:nvPr/>
-      </p:nvGrpSpPr>
-      <p:grpSpPr>
-        <a:xfrm>
-          <a:off x="0" y="0"/>
-          <a:ext cx="0" cy="0"/>
-          <a:chOff x="0" y="0"/>
-          <a:chExt cx="0" cy="0"/>
-        </a:xfrm>
-      </p:grpSpPr>
-      <p:pic>
-        <p:nvPicPr>
-          <p:cNvPr id="5" name="Segnaposto contenuto 4" descr="Immagine che contiene testo&#10;&#10;Descrizione generata automaticamente">
-            <a:extLst>
-              <a:ext uri="{FF2B5EF4-FFF2-40B4-BE49-F238E27FC236}">
-                <a16:creationId xmlns:a16="http://schemas.microsoft.com/office/drawing/2014/main" id="{1CBA1D85-4C19-4506-B893-C290A7AE1547}"/>
-              </a:ext>
-            </a:extLst>
-          </p:cNvPr>
-          <p:cNvPicPr>
-            <a:picLocks noGrp="1" noChangeAspect="1"/>
-          </p:cNvPicPr>
-          <p:nvPr>
-            <p:ph idx="1"/>
-          </p:nvPr>
-        </p:nvPicPr>
-        <p:blipFill>
-          <a:blip r:embed="rId2">
-            <a:extLst>
-              <a:ext uri="{28A0092B-C50C-407E-A947-70E740481C1C}">
-                <a14:useLocalDpi xmlns:a14="http://schemas.microsoft.com/office/drawing/2010/main" val="0"/>
-              </a:ext>
-            </a:extLst>
-          </a:blip>
-          <a:stretch>
-            <a:fillRect/>
-          </a:stretch>
-        </p:blipFill>
-        <p:spPr>
-          <a:xfrm>
-            <a:off x="762000" y="190500"/>
-            <a:ext cx="10666800" cy="2933370"/>
-          </a:xfrm>
-        </p:spPr>
-      </p:pic>
-      <p:pic>
-        <p:nvPicPr>
-          <p:cNvPr id="7" name="Immagine 6" descr="Immagine che contiene testo&#10;&#10;Descrizione generata automaticamente">
-            <a:extLst>
-              <a:ext uri="{FF2B5EF4-FFF2-40B4-BE49-F238E27FC236}">
-                <a16:creationId xmlns:a16="http://schemas.microsoft.com/office/drawing/2014/main" id="{D55D3A2F-623A-403A-A7D4-40D927EE8EE1}"/>
-              </a:ext>
-            </a:extLst>
-          </p:cNvPr>
-          <p:cNvPicPr>
-            <a:picLocks noChangeAspect="1"/>
-          </p:cNvPicPr>
-          <p:nvPr/>
-        </p:nvPicPr>
-        <p:blipFill>
-          <a:blip r:embed="rId3">
-            <a:extLst>
-              <a:ext uri="{28A0092B-C50C-407E-A947-70E740481C1C}">
-                <a14:useLocalDpi xmlns:a14="http://schemas.microsoft.com/office/drawing/2010/main" val="0"/>
-              </a:ext>
-            </a:extLst>
-          </a:blip>
-          <a:stretch>
-            <a:fillRect/>
-          </a:stretch>
-        </p:blipFill>
-        <p:spPr>
-          <a:xfrm>
-            <a:off x="762000" y="3124200"/>
-            <a:ext cx="10668001" cy="3463495"/>
-          </a:xfrm>
-          <a:prstGeom prst="rect">
-            <a:avLst/>
-          </a:prstGeom>
-        </p:spPr>
-      </p:pic>
-    </p:spTree>
-    <p:extLst>
-      <p:ext uri="{BB962C8B-B14F-4D97-AF65-F5344CB8AC3E}">
-        <p14:creationId xmlns:p14="http://schemas.microsoft.com/office/powerpoint/2010/main" val="1327760570"/>
-      </p:ext>
-    </p:extLst>
-  </p:cSld>
-  <p:clrMapOvr>
-    <a:masterClrMapping/>
-  </p:clrMapOvr>
-</p:sld>
-</file>
-
-<file path=ppt/slides/slide5.xml><?xml version="1.0" encoding="utf-8"?>
-<p:sld xmlns:a="http://schemas.openxmlformats.org/drawingml/2006/main" xmlns:r="http://schemas.openxmlformats.org/officeDocument/2006/relationships" xmlns:p="http://schemas.openxmlformats.org/presentationml/2006/main">
-  <p:cSld>
-    <p:spTree>
-      <p:nvGrpSpPr>
-        <p:cNvPr id="1" name=""/>
-        <p:cNvGrpSpPr/>
-        <p:nvPr/>
-      </p:nvGrpSpPr>
-      <p:grpSpPr>
-        <a:xfrm>
-          <a:off x="0" y="0"/>
-          <a:ext cx="0" cy="0"/>
-          <a:chOff x="0" y="0"/>
-          <a:chExt cx="0" cy="0"/>
-        </a:xfrm>
-      </p:grpSpPr>
-      <p:pic>
-        <p:nvPicPr>
-          <p:cNvPr id="9" name="Immagine 8" descr="Immagine che contiene tavolo&#10;&#10;Descrizione generata automaticamente">
-            <a:extLst>
-              <a:ext uri="{FF2B5EF4-FFF2-40B4-BE49-F238E27FC236}">
-                <a16:creationId xmlns:a16="http://schemas.microsoft.com/office/drawing/2014/main" id="{629BC83B-635C-4726-B1B9-C807DD536A86}"/>
-              </a:ext>
-            </a:extLst>
-          </p:cNvPr>
-          <p:cNvPicPr>
-            <a:picLocks noChangeAspect="1"/>
-          </p:cNvPicPr>
-          <p:nvPr/>
-        </p:nvPicPr>
-        <p:blipFill>
-          <a:blip r:embed="rId2">
-            <a:extLst>
-              <a:ext uri="{28A0092B-C50C-407E-A947-70E740481C1C}">
-                <a14:useLocalDpi xmlns:a14="http://schemas.microsoft.com/office/drawing/2010/main" val="0"/>
-              </a:ext>
-            </a:extLst>
-          </a:blip>
-          <a:stretch>
-            <a:fillRect/>
-          </a:stretch>
-        </p:blipFill>
-        <p:spPr>
-          <a:xfrm>
-            <a:off x="762600" y="444321"/>
-            <a:ext cx="10666800" cy="4305922"/>
-          </a:xfrm>
-          <a:prstGeom prst="rect">
-            <a:avLst/>
-          </a:prstGeom>
-        </p:spPr>
-      </p:pic>
-      <p:pic>
-        <p:nvPicPr>
-          <p:cNvPr id="11" name="Immagine 10">
-            <a:extLst>
-              <a:ext uri="{FF2B5EF4-FFF2-40B4-BE49-F238E27FC236}">
-                <a16:creationId xmlns:a16="http://schemas.microsoft.com/office/drawing/2014/main" id="{4769FEAB-E216-4AAF-9189-72EF39812222}"/>
-              </a:ext>
-            </a:extLst>
-          </p:cNvPr>
-          <p:cNvPicPr>
-            <a:picLocks noChangeAspect="1"/>
-          </p:cNvPicPr>
-          <p:nvPr/>
-        </p:nvPicPr>
-        <p:blipFill>
-          <a:blip r:embed="rId3">
-            <a:extLst>
-              <a:ext uri="{28A0092B-C50C-407E-A947-70E740481C1C}">
-                <a14:useLocalDpi xmlns:a14="http://schemas.microsoft.com/office/drawing/2010/main" val="0"/>
-              </a:ext>
-            </a:extLst>
-          </a:blip>
-          <a:stretch>
-            <a:fillRect/>
-          </a:stretch>
-        </p:blipFill>
-        <p:spPr>
-          <a:xfrm>
-            <a:off x="762599" y="4750243"/>
-            <a:ext cx="10666801" cy="1407927"/>
-          </a:xfrm>
-          <a:prstGeom prst="rect">
-            <a:avLst/>
-          </a:prstGeom>
-        </p:spPr>
-      </p:pic>
-    </p:spTree>
-    <p:extLst>
-      <p:ext uri="{BB962C8B-B14F-4D97-AF65-F5344CB8AC3E}">
-        <p14:creationId xmlns:p14="http://schemas.microsoft.com/office/powerpoint/2010/main" val="2479787657"/>
-      </p:ext>
-    </p:extLst>
-  </p:cSld>
-  <p:clrMapOvr>
-    <a:masterClrMapping/>
-  </p:clrMapOvr>
-</p:sld>
-</file>
-
-<file path=ppt/slides/slide6.xml><?xml version="1.0" encoding="utf-8"?>
-<p:sld xmlns:a="http://schemas.openxmlformats.org/drawingml/2006/main" xmlns:r="http://schemas.openxmlformats.org/officeDocument/2006/relationships" xmlns:p="http://schemas.openxmlformats.org/presentationml/2006/main">
-  <p:cSld>
-    <p:spTree>
-      <p:nvGrpSpPr>
-        <p:cNvPr id="1" name=""/>
-        <p:cNvGrpSpPr/>
-        <p:nvPr/>
-      </p:nvGrpSpPr>
-      <p:grpSpPr>
-        <a:xfrm>
-          <a:off x="0" y="0"/>
-          <a:ext cx="0" cy="0"/>
-          <a:chOff x="0" y="0"/>
-          <a:chExt cx="0" cy="0"/>
-        </a:xfrm>
-      </p:grpSpPr>
-      <p:sp>
-        <p:nvSpPr>
-          <p:cNvPr id="2" name="Titolo 1">
-            <a:extLst>
-              <a:ext uri="{FF2B5EF4-FFF2-40B4-BE49-F238E27FC236}">
-                <a16:creationId xmlns:a16="http://schemas.microsoft.com/office/drawing/2014/main" id="{2949CFA7-7793-486A-8513-FC1178AC3054}"/>
-              </a:ext>
-            </a:extLst>
-          </p:cNvPr>
-          <p:cNvSpPr>
-            <a:spLocks noGrp="1"/>
-          </p:cNvSpPr>
-          <p:nvPr>
-            <p:ph type="title"/>
-          </p:nvPr>
-        </p:nvSpPr>
-        <p:spPr/>
-        <p:txBody>
-          <a:bodyPr/>
-          <a:lstStyle/>
-          <a:p>
-            <a:r>
-              <a:rPr lang="it-IT" dirty="0"/>
-              <a:t>Generate </a:t>
-            </a:r>
-            <a:r>
-              <a:rPr lang="it-IT" dirty="0" err="1"/>
-              <a:t>Instances</a:t>
-            </a:r>
-            <a:endParaRPr lang="en-US" dirty="0"/>
-          </a:p>
-        </p:txBody>
-      </p:sp>
-      <p:pic>
-        <p:nvPicPr>
-          <p:cNvPr id="5" name="Segnaposto contenuto 4">
-            <a:extLst>
-              <a:ext uri="{FF2B5EF4-FFF2-40B4-BE49-F238E27FC236}">
-                <a16:creationId xmlns:a16="http://schemas.microsoft.com/office/drawing/2014/main" id="{55B3207D-7988-4FAD-A6A8-1148FEBCE47E}"/>
-              </a:ext>
-            </a:extLst>
-          </p:cNvPr>
-          <p:cNvPicPr>
-            <a:picLocks noGrp="1" noChangeAspect="1"/>
-          </p:cNvPicPr>
-          <p:nvPr>
-            <p:ph idx="1"/>
-          </p:nvPr>
-        </p:nvPicPr>
-        <p:blipFill>
-          <a:blip r:embed="rId2">
-            <a:extLst>
-              <a:ext uri="{28A0092B-C50C-407E-A947-70E740481C1C}">
-                <a14:useLocalDpi xmlns:a14="http://schemas.microsoft.com/office/drawing/2010/main" val="0"/>
-              </a:ext>
-            </a:extLst>
-          </a:blip>
-          <a:stretch>
-            <a:fillRect/>
-          </a:stretch>
-        </p:blipFill>
-        <p:spPr>
-          <a:xfrm>
-            <a:off x="762000" y="2508859"/>
-            <a:ext cx="6906884" cy="920141"/>
-          </a:xfrm>
-        </p:spPr>
-      </p:pic>
-      <p:pic>
-        <p:nvPicPr>
-          <p:cNvPr id="7" name="Immagine 6" descr="Immagine che contiene testo&#10;&#10;Descrizione generata automaticamente">
-            <a:extLst>
-              <a:ext uri="{FF2B5EF4-FFF2-40B4-BE49-F238E27FC236}">
-                <a16:creationId xmlns:a16="http://schemas.microsoft.com/office/drawing/2014/main" id="{AC5D6BB4-4362-4735-8052-3E799FC863F0}"/>
-              </a:ext>
-            </a:extLst>
-          </p:cNvPr>
-          <p:cNvPicPr>
-            <a:picLocks noChangeAspect="1"/>
-          </p:cNvPicPr>
-          <p:nvPr/>
-        </p:nvPicPr>
-        <p:blipFill>
-          <a:blip r:embed="rId3">
-            <a:extLst>
-              <a:ext uri="{28A0092B-C50C-407E-A947-70E740481C1C}">
-                <a14:useLocalDpi xmlns:a14="http://schemas.microsoft.com/office/drawing/2010/main" val="0"/>
-              </a:ext>
-            </a:extLst>
-          </a:blip>
-          <a:stretch>
-            <a:fillRect/>
-          </a:stretch>
-        </p:blipFill>
-        <p:spPr>
-          <a:xfrm>
-            <a:off x="762000" y="3573668"/>
-            <a:ext cx="5334000" cy="3008727"/>
-          </a:xfrm>
-          <a:prstGeom prst="rect">
-            <a:avLst/>
-          </a:prstGeom>
-        </p:spPr>
-      </p:pic>
-    </p:spTree>
-    <p:extLst>
-      <p:ext uri="{BB962C8B-B14F-4D97-AF65-F5344CB8AC3E}">
-        <p14:creationId xmlns:p14="http://schemas.microsoft.com/office/powerpoint/2010/main" val="2895095123"/>
-      </p:ext>
-    </p:extLst>
-  </p:cSld>
-  <p:clrMapOvr>
-    <a:masterClrMapping/>
-  </p:clrMapOvr>
-</p:sld>
-</file>
-
-<file path=ppt/slides/slide7.xml><?xml version="1.0" encoding="utf-8"?>
-<p:sld xmlns:a="http://schemas.openxmlformats.org/drawingml/2006/main" xmlns:r="http://schemas.openxmlformats.org/officeDocument/2006/relationships" xmlns:p="http://schemas.openxmlformats.org/presentationml/2006/main">
-  <p:cSld>
-    <p:spTree>
-      <p:nvGrpSpPr>
-        <p:cNvPr id="1" name=""/>
-        <p:cNvGrpSpPr/>
-        <p:nvPr/>
-      </p:nvGrpSpPr>
-      <p:grpSpPr>
-        <a:xfrm>
-          <a:off x="0" y="0"/>
-          <a:ext cx="0" cy="0"/>
-          <a:chOff x="0" y="0"/>
-          <a:chExt cx="0" cy="0"/>
-        </a:xfrm>
-      </p:grpSpPr>
-      <p:sp>
-        <p:nvSpPr>
-          <p:cNvPr id="2" name="Titolo 1">
-            <a:extLst>
-              <a:ext uri="{FF2B5EF4-FFF2-40B4-BE49-F238E27FC236}">
-                <a16:creationId xmlns:a16="http://schemas.microsoft.com/office/drawing/2014/main" id="{9246D79B-3F71-438E-B064-484EFF88B085}"/>
-              </a:ext>
-            </a:extLst>
-          </p:cNvPr>
-          <p:cNvSpPr>
-            <a:spLocks noGrp="1"/>
-          </p:cNvSpPr>
-          <p:nvPr>
-            <p:ph type="title"/>
-          </p:nvPr>
-        </p:nvSpPr>
-        <p:spPr>
-          <a:xfrm>
-            <a:off x="762000" y="466725"/>
-            <a:ext cx="9144000" cy="1263649"/>
-          </a:xfrm>
-        </p:spPr>
-        <p:txBody>
-          <a:bodyPr/>
-          <a:lstStyle/>
-          <a:p>
-            <a:r>
-              <a:rPr lang="it-IT" dirty="0" err="1"/>
-              <a:t>Extract</a:t>
-            </a:r>
-            <a:r>
-              <a:rPr lang="it-IT" dirty="0"/>
-              <a:t> </a:t>
-            </a:r>
-            <a:r>
-              <a:rPr lang="it-IT" dirty="0" err="1"/>
-              <a:t>instances</a:t>
-            </a:r>
-            <a:endParaRPr lang="en-US" dirty="0"/>
-          </a:p>
-        </p:txBody>
-      </p:sp>
-      <p:pic>
-        <p:nvPicPr>
-          <p:cNvPr id="5" name="Segnaposto contenuto 4" descr="Immagine che contiene testo&#10;&#10;Descrizione generata automaticamente">
-            <a:extLst>
-              <a:ext uri="{FF2B5EF4-FFF2-40B4-BE49-F238E27FC236}">
-                <a16:creationId xmlns:a16="http://schemas.microsoft.com/office/drawing/2014/main" id="{9880F657-7C03-4CDC-846E-B84F492EE628}"/>
-              </a:ext>
-            </a:extLst>
-          </p:cNvPr>
-          <p:cNvPicPr>
-            <a:picLocks noGrp="1" noChangeAspect="1"/>
-          </p:cNvPicPr>
-          <p:nvPr>
-            <p:ph idx="1"/>
-          </p:nvPr>
-        </p:nvPicPr>
-        <p:blipFill>
-          <a:blip r:embed="rId2">
-            <a:extLst>
-              <a:ext uri="{28A0092B-C50C-407E-A947-70E740481C1C}">
-                <a14:useLocalDpi xmlns:a14="http://schemas.microsoft.com/office/drawing/2010/main" val="0"/>
-              </a:ext>
-            </a:extLst>
-          </a:blip>
-          <a:stretch>
-            <a:fillRect/>
-          </a:stretch>
-        </p:blipFill>
-        <p:spPr>
-          <a:xfrm>
-            <a:off x="762000" y="1449313"/>
-            <a:ext cx="7296150" cy="4941962"/>
-          </a:xfrm>
-        </p:spPr>
-      </p:pic>
-    </p:spTree>
-    <p:extLst>
-      <p:ext uri="{BB962C8B-B14F-4D97-AF65-F5344CB8AC3E}">
-        <p14:creationId xmlns:p14="http://schemas.microsoft.com/office/powerpoint/2010/main" val="3294054759"/>
-      </p:ext>
-    </p:extLst>
-  </p:cSld>
-  <p:clrMapOvr>
-    <a:masterClrMapping/>
-  </p:clrMapOvr>
-</p:sld>
-</file>
-
-<file path=ppt/slides/slide8.xml><?xml version="1.0" encoding="utf-8"?>
-<p:sld xmlns:a="http://schemas.openxmlformats.org/drawingml/2006/main" xmlns:r="http://schemas.openxmlformats.org/officeDocument/2006/relationships" xmlns:p="http://schemas.openxmlformats.org/presentationml/2006/main">
-  <p:cSld>
-    <p:spTree>
-      <p:nvGrpSpPr>
-        <p:cNvPr id="1" name=""/>
-        <p:cNvGrpSpPr/>
-        <p:nvPr/>
-      </p:nvGrpSpPr>
-      <p:grpSpPr>
-        <a:xfrm>
-          <a:off x="0" y="0"/>
-          <a:ext cx="0" cy="0"/>
-          <a:chOff x="0" y="0"/>
-          <a:chExt cx="0" cy="0"/>
-        </a:xfrm>
-      </p:grpSpPr>
-      <p:sp>
-        <p:nvSpPr>
-          <p:cNvPr id="2" name="Titolo 1">
-            <a:extLst>
-              <a:ext uri="{FF2B5EF4-FFF2-40B4-BE49-F238E27FC236}">
-                <a16:creationId xmlns:a16="http://schemas.microsoft.com/office/drawing/2014/main" id="{5568CC58-89C6-484B-A98E-89BCC5F0E497}"/>
-              </a:ext>
-            </a:extLst>
-          </p:cNvPr>
-          <p:cNvSpPr>
-            <a:spLocks noGrp="1"/>
-          </p:cNvSpPr>
-          <p:nvPr>
-            <p:ph type="title"/>
-          </p:nvPr>
-        </p:nvSpPr>
-        <p:spPr/>
-        <p:txBody>
-          <a:bodyPr/>
-          <a:lstStyle/>
-          <a:p>
-            <a:r>
-              <a:rPr lang="it-IT" dirty="0" err="1"/>
-              <a:t>Implement</a:t>
-            </a:r>
-            <a:r>
-              <a:rPr lang="it-IT" dirty="0"/>
-              <a:t> GUI</a:t>
-            </a:r>
-            <a:endParaRPr lang="en-US" dirty="0"/>
-          </a:p>
-        </p:txBody>
-      </p:sp>
-      <p:pic>
-        <p:nvPicPr>
-          <p:cNvPr id="5" name="Segnaposto contenuto 4">
-            <a:extLst>
-              <a:ext uri="{FF2B5EF4-FFF2-40B4-BE49-F238E27FC236}">
-                <a16:creationId xmlns:a16="http://schemas.microsoft.com/office/drawing/2014/main" id="{C0987D90-8011-4122-AD03-980EA1CF6BA1}"/>
-              </a:ext>
-            </a:extLst>
-          </p:cNvPr>
-          <p:cNvPicPr>
-            <a:picLocks noGrp="1" noChangeAspect="1"/>
-          </p:cNvPicPr>
-          <p:nvPr>
-            <p:ph idx="1"/>
-          </p:nvPr>
-        </p:nvPicPr>
-        <p:blipFill>
-          <a:blip r:embed="rId2">
-            <a:extLst>
-              <a:ext uri="{28A0092B-C50C-407E-A947-70E740481C1C}">
-                <a14:useLocalDpi xmlns:a14="http://schemas.microsoft.com/office/drawing/2010/main" val="0"/>
-              </a:ext>
-            </a:extLst>
-          </a:blip>
-          <a:stretch>
-            <a:fillRect/>
-          </a:stretch>
-        </p:blipFill>
-        <p:spPr>
-          <a:xfrm>
-            <a:off x="4035688" y="2352675"/>
-            <a:ext cx="4857665" cy="3695700"/>
-          </a:xfrm>
-        </p:spPr>
-      </p:pic>
-    </p:spTree>
-    <p:extLst>
-      <p:ext uri="{BB962C8B-B14F-4D97-AF65-F5344CB8AC3E}">
-        <p14:creationId xmlns:p14="http://schemas.microsoft.com/office/powerpoint/2010/main" val="3700653118"/>
-      </p:ext>
-    </p:extLst>
-  </p:cSld>
-  <p:clrMapOvr>
-    <a:masterClrMapping/>
-  </p:clrMapOvr>
-</p:sld>
-</file>
-
-<file path=ppt/slides/slide9.xml><?xml version="1.0" encoding="utf-8"?>
+<file path=ppt/slides/slide10.xml><?xml version="1.0" encoding="utf-8"?>
 <p:sld xmlns:a="http://schemas.openxmlformats.org/drawingml/2006/main" xmlns:r="http://schemas.openxmlformats.org/officeDocument/2006/relationships" xmlns:p="http://schemas.openxmlformats.org/presentationml/2006/main">
   <p:cSld>
     <p:spTree>
@@ -10461,6 +9766,889 @@
 </p:sld>
 </file>
 
+<file path=ppt/slides/slide2.xml><?xml version="1.0" encoding="utf-8"?>
+<p:sld xmlns:a="http://schemas.openxmlformats.org/drawingml/2006/main" xmlns:r="http://schemas.openxmlformats.org/officeDocument/2006/relationships" xmlns:p="http://schemas.openxmlformats.org/presentationml/2006/main">
+  <p:cSld>
+    <p:bg>
+      <p:bgPr>
+        <a:solidFill>
+          <a:schemeClr val="bg1"/>
+        </a:solidFill>
+        <a:effectLst/>
+      </p:bgPr>
+    </p:bg>
+    <p:spTree>
+      <p:nvGrpSpPr>
+        <p:cNvPr id="1" name=""/>
+        <p:cNvGrpSpPr/>
+        <p:nvPr/>
+      </p:nvGrpSpPr>
+      <p:grpSpPr>
+        <a:xfrm>
+          <a:off x="0" y="0"/>
+          <a:ext cx="0" cy="0"/>
+          <a:chOff x="0" y="0"/>
+          <a:chExt cx="0" cy="0"/>
+        </a:xfrm>
+      </p:grpSpPr>
+      <p:sp useBgFill="1">
+        <p:nvSpPr>
+          <p:cNvPr id="10" name="Rectangle 9">
+            <a:extLst>
+              <a:ext uri="{FF2B5EF4-FFF2-40B4-BE49-F238E27FC236}">
+                <a16:creationId xmlns:a16="http://schemas.microsoft.com/office/drawing/2014/main" id="{5964CBE2-084A-47DF-A704-CF5F6217B569}"/>
+              </a:ext>
+              <a:ext uri="{C183D7F6-B498-43B3-948B-1728B52AA6E4}">
+                <adec:decorative xmlns:adec="http://schemas.microsoft.com/office/drawing/2017/decorative" val="1"/>
+              </a:ext>
+            </a:extLst>
+          </p:cNvPr>
+          <p:cNvSpPr>
+            <a:spLocks noGrp="1" noRot="1" noChangeAspect="1" noMove="1" noResize="1" noEditPoints="1" noAdjustHandles="1" noChangeArrowheads="1" noChangeShapeType="1" noTextEdit="1"/>
+          </p:cNvSpPr>
+          <p:nvPr>
+            <p:extLst>
+              <p:ext uri="{386F3935-93C4-4BCD-93E2-E3B085C9AB24}">
+                <p16:designElem xmlns:p16="http://schemas.microsoft.com/office/powerpoint/2015/main" val="1"/>
+              </p:ext>
+            </p:extLst>
+          </p:nvPr>
+        </p:nvSpPr>
+        <p:spPr>
+          <a:xfrm>
+            <a:off x="0" y="0"/>
+            <a:ext cx="12192000" cy="6858000"/>
+          </a:xfrm>
+          <a:prstGeom prst="rect">
+            <a:avLst/>
+          </a:prstGeom>
+          <a:ln w="12700" cap="flat" cmpd="sng" algn="ctr">
+            <a:noFill/>
+            <a:prstDash val="solid"/>
+            <a:miter lim="800000"/>
+          </a:ln>
+          <a:effectLst/>
+          <a:extLst>
+            <a:ext uri="{91240B29-F687-4F45-9708-019B960494DF}">
+              <a14:hiddenLine xmlns:a14="http://schemas.microsoft.com/office/drawing/2010/main" w="12700" cap="flat" cmpd="sng" algn="ctr">
+                <a:solidFill>
+                  <a:schemeClr val="accent1">
+                    <a:shade val="50000"/>
+                  </a:schemeClr>
+                </a:solidFill>
+                <a:prstDash val="solid"/>
+                <a:miter lim="800000"/>
+              </a14:hiddenLine>
+            </a:ext>
+          </a:extLst>
+        </p:spPr>
+        <p:style>
+          <a:lnRef idx="2">
+            <a:schemeClr val="accent1">
+              <a:shade val="50000"/>
+            </a:schemeClr>
+          </a:lnRef>
+          <a:fillRef idx="1">
+            <a:schemeClr val="accent1"/>
+          </a:fillRef>
+          <a:effectRef idx="0">
+            <a:schemeClr val="accent1"/>
+          </a:effectRef>
+          <a:fontRef idx="minor">
+            <a:schemeClr val="lt1"/>
+          </a:fontRef>
+        </p:style>
+        <p:txBody>
+          <a:bodyPr rtlCol="0" anchor="ctr"/>
+          <a:lstStyle/>
+          <a:p>
+            <a:pPr algn="ctr"/>
+            <a:endParaRPr lang="en-US"/>
+          </a:p>
+        </p:txBody>
+      </p:sp>
+      <p:sp>
+        <p:nvSpPr>
+          <p:cNvPr id="2" name="Titolo 1">
+            <a:extLst>
+              <a:ext uri="{FF2B5EF4-FFF2-40B4-BE49-F238E27FC236}">
+                <a16:creationId xmlns:a16="http://schemas.microsoft.com/office/drawing/2014/main" id="{BD71C88C-BC2E-4546-9C7C-49CE345682C4}"/>
+              </a:ext>
+            </a:extLst>
+          </p:cNvPr>
+          <p:cNvSpPr>
+            <a:spLocks noGrp="1"/>
+          </p:cNvSpPr>
+          <p:nvPr>
+            <p:ph type="title"/>
+          </p:nvPr>
+        </p:nvSpPr>
+        <p:spPr>
+          <a:xfrm>
+            <a:off x="762000" y="1523999"/>
+            <a:ext cx="6096000" cy="1985963"/>
+          </a:xfrm>
+        </p:spPr>
+        <p:txBody>
+          <a:bodyPr vert="horz" lIns="91440" tIns="45720" rIns="91440" bIns="45720" rtlCol="0" anchor="b" anchorCtr="0">
+            <a:normAutofit/>
+          </a:bodyPr>
+          <a:lstStyle/>
+          <a:p>
+            <a:r>
+              <a:rPr lang="en-US" sz="8000"/>
+              <a:t>Introduction</a:t>
+            </a:r>
+          </a:p>
+        </p:txBody>
+      </p:sp>
+      <p:pic>
+        <p:nvPicPr>
+          <p:cNvPr id="5" name="Segnaposto contenuto 4">
+            <a:extLst>
+              <a:ext uri="{FF2B5EF4-FFF2-40B4-BE49-F238E27FC236}">
+                <a16:creationId xmlns:a16="http://schemas.microsoft.com/office/drawing/2014/main" id="{5D94A32E-D1CA-4CC3-BDF1-485F61722CCB}"/>
+              </a:ext>
+            </a:extLst>
+          </p:cNvPr>
+          <p:cNvPicPr>
+            <a:picLocks noGrp="1" noChangeAspect="1"/>
+          </p:cNvPicPr>
+          <p:nvPr>
+            <p:ph idx="1"/>
+          </p:nvPr>
+        </p:nvPicPr>
+        <p:blipFill>
+          <a:blip r:embed="rId2">
+            <a:extLst>
+              <a:ext uri="{28A0092B-C50C-407E-A947-70E740481C1C}">
+                <a14:useLocalDpi xmlns:a14="http://schemas.microsoft.com/office/drawing/2010/main" val="0"/>
+              </a:ext>
+            </a:extLst>
+          </a:blip>
+          <a:stretch>
+            <a:fillRect/>
+          </a:stretch>
+        </p:blipFill>
+        <p:spPr>
+          <a:xfrm>
+            <a:off x="7077074" y="1300904"/>
+            <a:ext cx="4352925" cy="4256192"/>
+          </a:xfrm>
+          <a:prstGeom prst="rect">
+            <a:avLst/>
+          </a:prstGeom>
+        </p:spPr>
+      </p:pic>
+    </p:spTree>
+    <p:extLst>
+      <p:ext uri="{BB962C8B-B14F-4D97-AF65-F5344CB8AC3E}">
+        <p14:creationId xmlns:p14="http://schemas.microsoft.com/office/powerpoint/2010/main" val="200805803"/>
+      </p:ext>
+    </p:extLst>
+  </p:cSld>
+  <p:clrMapOvr>
+    <a:masterClrMapping/>
+  </p:clrMapOvr>
+</p:sld>
+</file>
+
+<file path=ppt/slides/slide3.xml><?xml version="1.0" encoding="utf-8"?>
+<p:sld xmlns:a="http://schemas.openxmlformats.org/drawingml/2006/main" xmlns:r="http://schemas.openxmlformats.org/officeDocument/2006/relationships" xmlns:p="http://schemas.openxmlformats.org/presentationml/2006/main">
+  <p:cSld>
+    <p:spTree>
+      <p:nvGrpSpPr>
+        <p:cNvPr id="1" name=""/>
+        <p:cNvGrpSpPr/>
+        <p:nvPr/>
+      </p:nvGrpSpPr>
+      <p:grpSpPr>
+        <a:xfrm>
+          <a:off x="0" y="0"/>
+          <a:ext cx="0" cy="0"/>
+          <a:chOff x="0" y="0"/>
+          <a:chExt cx="0" cy="0"/>
+        </a:xfrm>
+      </p:grpSpPr>
+      <p:sp>
+        <p:nvSpPr>
+          <p:cNvPr id="2" name="Titolo 1">
+            <a:extLst>
+              <a:ext uri="{FF2B5EF4-FFF2-40B4-BE49-F238E27FC236}">
+                <a16:creationId xmlns:a16="http://schemas.microsoft.com/office/drawing/2014/main" id="{502DE073-5861-40EE-9089-038440F4C986}"/>
+              </a:ext>
+            </a:extLst>
+          </p:cNvPr>
+          <p:cNvSpPr>
+            <a:spLocks noGrp="1"/>
+          </p:cNvSpPr>
+          <p:nvPr>
+            <p:ph type="title"/>
+          </p:nvPr>
+        </p:nvSpPr>
+        <p:spPr/>
+        <p:txBody>
+          <a:bodyPr/>
+          <a:lstStyle/>
+          <a:p>
+            <a:r>
+              <a:rPr lang="it-IT" dirty="0"/>
+              <a:t>REPOSITORY GITHUB</a:t>
+            </a:r>
+            <a:endParaRPr lang="en-US" dirty="0"/>
+          </a:p>
+        </p:txBody>
+      </p:sp>
+      <p:sp>
+        <p:nvSpPr>
+          <p:cNvPr id="3" name="Segnaposto contenuto 2">
+            <a:extLst>
+              <a:ext uri="{FF2B5EF4-FFF2-40B4-BE49-F238E27FC236}">
+                <a16:creationId xmlns:a16="http://schemas.microsoft.com/office/drawing/2014/main" id="{235BAC15-C788-42AE-AC54-E586102515BE}"/>
+              </a:ext>
+            </a:extLst>
+          </p:cNvPr>
+          <p:cNvSpPr>
+            <a:spLocks noGrp="1"/>
+          </p:cNvSpPr>
+          <p:nvPr>
+            <p:ph idx="1"/>
+          </p:nvPr>
+        </p:nvSpPr>
+        <p:spPr/>
+        <p:txBody>
+          <a:bodyPr/>
+          <a:lstStyle/>
+          <a:p>
+            <a:r>
+              <a:rPr lang="en-US" dirty="0"/>
+              <a:t>https://github.com/MatteoLoria/Stitches_MiniZinc</a:t>
+            </a:r>
+          </a:p>
+        </p:txBody>
+      </p:sp>
+    </p:spTree>
+    <p:extLst>
+      <p:ext uri="{BB962C8B-B14F-4D97-AF65-F5344CB8AC3E}">
+        <p14:creationId xmlns:p14="http://schemas.microsoft.com/office/powerpoint/2010/main" val="3266635093"/>
+      </p:ext>
+    </p:extLst>
+  </p:cSld>
+  <p:clrMapOvr>
+    <a:masterClrMapping/>
+  </p:clrMapOvr>
+</p:sld>
+</file>
+
+<file path=ppt/slides/slide4.xml><?xml version="1.0" encoding="utf-8"?>
+<p:sld xmlns:a="http://schemas.openxmlformats.org/drawingml/2006/main" xmlns:r="http://schemas.openxmlformats.org/officeDocument/2006/relationships" xmlns:p="http://schemas.openxmlformats.org/presentationml/2006/main">
+  <p:cSld>
+    <p:spTree>
+      <p:nvGrpSpPr>
+        <p:cNvPr id="1" name=""/>
+        <p:cNvGrpSpPr/>
+        <p:nvPr/>
+      </p:nvGrpSpPr>
+      <p:grpSpPr>
+        <a:xfrm>
+          <a:off x="0" y="0"/>
+          <a:ext cx="0" cy="0"/>
+          <a:chOff x="0" y="0"/>
+          <a:chExt cx="0" cy="0"/>
+        </a:xfrm>
+      </p:grpSpPr>
+      <p:sp>
+        <p:nvSpPr>
+          <p:cNvPr id="2" name="Titolo 1">
+            <a:extLst>
+              <a:ext uri="{FF2B5EF4-FFF2-40B4-BE49-F238E27FC236}">
+                <a16:creationId xmlns:a16="http://schemas.microsoft.com/office/drawing/2014/main" id="{12A99DBC-6505-4D00-8847-46906BBFE509}"/>
+              </a:ext>
+            </a:extLst>
+          </p:cNvPr>
+          <p:cNvSpPr>
+            <a:spLocks noGrp="1"/>
+          </p:cNvSpPr>
+          <p:nvPr>
+            <p:ph type="title"/>
+          </p:nvPr>
+        </p:nvSpPr>
+        <p:spPr/>
+        <p:txBody>
+          <a:bodyPr/>
+          <a:lstStyle/>
+          <a:p>
+            <a:r>
+              <a:rPr lang="it-IT" dirty="0" err="1"/>
+              <a:t>Minizinc</a:t>
+            </a:r>
+            <a:r>
+              <a:rPr lang="it-IT" dirty="0"/>
+              <a:t> Model &amp; Input </a:t>
+            </a:r>
+            <a:r>
+              <a:rPr lang="it-IT" dirty="0" err="1"/>
+              <a:t>Validation</a:t>
+            </a:r>
+            <a:endParaRPr lang="en-US" dirty="0"/>
+          </a:p>
+        </p:txBody>
+      </p:sp>
+    </p:spTree>
+    <p:extLst>
+      <p:ext uri="{BB962C8B-B14F-4D97-AF65-F5344CB8AC3E}">
+        <p14:creationId xmlns:p14="http://schemas.microsoft.com/office/powerpoint/2010/main" val="4199622824"/>
+      </p:ext>
+    </p:extLst>
+  </p:cSld>
+  <p:clrMapOvr>
+    <a:masterClrMapping/>
+  </p:clrMapOvr>
+</p:sld>
+</file>
+
+<file path=ppt/slides/slide5.xml><?xml version="1.0" encoding="utf-8"?>
+<p:sld xmlns:a="http://schemas.openxmlformats.org/drawingml/2006/main" xmlns:r="http://schemas.openxmlformats.org/officeDocument/2006/relationships" xmlns:p="http://schemas.openxmlformats.org/presentationml/2006/main">
+  <p:cSld>
+    <p:spTree>
+      <p:nvGrpSpPr>
+        <p:cNvPr id="1" name=""/>
+        <p:cNvGrpSpPr/>
+        <p:nvPr/>
+      </p:nvGrpSpPr>
+      <p:grpSpPr>
+        <a:xfrm>
+          <a:off x="0" y="0"/>
+          <a:ext cx="0" cy="0"/>
+          <a:chOff x="0" y="0"/>
+          <a:chExt cx="0" cy="0"/>
+        </a:xfrm>
+      </p:grpSpPr>
+      <p:pic>
+        <p:nvPicPr>
+          <p:cNvPr id="5" name="Segnaposto contenuto 4" descr="Immagine che contiene testo&#10;&#10;Descrizione generata automaticamente">
+            <a:extLst>
+              <a:ext uri="{FF2B5EF4-FFF2-40B4-BE49-F238E27FC236}">
+                <a16:creationId xmlns:a16="http://schemas.microsoft.com/office/drawing/2014/main" id="{1CBA1D85-4C19-4506-B893-C290A7AE1547}"/>
+              </a:ext>
+            </a:extLst>
+          </p:cNvPr>
+          <p:cNvPicPr>
+            <a:picLocks noGrp="1" noChangeAspect="1"/>
+          </p:cNvPicPr>
+          <p:nvPr>
+            <p:ph idx="1"/>
+          </p:nvPr>
+        </p:nvPicPr>
+        <p:blipFill>
+          <a:blip r:embed="rId2">
+            <a:extLst>
+              <a:ext uri="{28A0092B-C50C-407E-A947-70E740481C1C}">
+                <a14:useLocalDpi xmlns:a14="http://schemas.microsoft.com/office/drawing/2010/main" val="0"/>
+              </a:ext>
+            </a:extLst>
+          </a:blip>
+          <a:stretch>
+            <a:fillRect/>
+          </a:stretch>
+        </p:blipFill>
+        <p:spPr>
+          <a:xfrm>
+            <a:off x="762000" y="190500"/>
+            <a:ext cx="10666800" cy="2933370"/>
+          </a:xfrm>
+        </p:spPr>
+      </p:pic>
+      <p:pic>
+        <p:nvPicPr>
+          <p:cNvPr id="7" name="Immagine 6" descr="Immagine che contiene testo&#10;&#10;Descrizione generata automaticamente">
+            <a:extLst>
+              <a:ext uri="{FF2B5EF4-FFF2-40B4-BE49-F238E27FC236}">
+                <a16:creationId xmlns:a16="http://schemas.microsoft.com/office/drawing/2014/main" id="{D55D3A2F-623A-403A-A7D4-40D927EE8EE1}"/>
+              </a:ext>
+            </a:extLst>
+          </p:cNvPr>
+          <p:cNvPicPr>
+            <a:picLocks noChangeAspect="1"/>
+          </p:cNvPicPr>
+          <p:nvPr/>
+        </p:nvPicPr>
+        <p:blipFill>
+          <a:blip r:embed="rId3">
+            <a:extLst>
+              <a:ext uri="{28A0092B-C50C-407E-A947-70E740481C1C}">
+                <a14:useLocalDpi xmlns:a14="http://schemas.microsoft.com/office/drawing/2010/main" val="0"/>
+              </a:ext>
+            </a:extLst>
+          </a:blip>
+          <a:stretch>
+            <a:fillRect/>
+          </a:stretch>
+        </p:blipFill>
+        <p:spPr>
+          <a:xfrm>
+            <a:off x="762000" y="3124200"/>
+            <a:ext cx="10668001" cy="3463495"/>
+          </a:xfrm>
+          <a:prstGeom prst="rect">
+            <a:avLst/>
+          </a:prstGeom>
+        </p:spPr>
+      </p:pic>
+    </p:spTree>
+    <p:extLst>
+      <p:ext uri="{BB962C8B-B14F-4D97-AF65-F5344CB8AC3E}">
+        <p14:creationId xmlns:p14="http://schemas.microsoft.com/office/powerpoint/2010/main" val="1327760570"/>
+      </p:ext>
+    </p:extLst>
+  </p:cSld>
+  <p:clrMapOvr>
+    <a:masterClrMapping/>
+  </p:clrMapOvr>
+</p:sld>
+</file>
+
+<file path=ppt/slides/slide6.xml><?xml version="1.0" encoding="utf-8"?>
+<p:sld xmlns:a="http://schemas.openxmlformats.org/drawingml/2006/main" xmlns:r="http://schemas.openxmlformats.org/officeDocument/2006/relationships" xmlns:p="http://schemas.openxmlformats.org/presentationml/2006/main">
+  <p:cSld>
+    <p:spTree>
+      <p:nvGrpSpPr>
+        <p:cNvPr id="1" name=""/>
+        <p:cNvGrpSpPr/>
+        <p:nvPr/>
+      </p:nvGrpSpPr>
+      <p:grpSpPr>
+        <a:xfrm>
+          <a:off x="0" y="0"/>
+          <a:ext cx="0" cy="0"/>
+          <a:chOff x="0" y="0"/>
+          <a:chExt cx="0" cy="0"/>
+        </a:xfrm>
+      </p:grpSpPr>
+      <p:pic>
+        <p:nvPicPr>
+          <p:cNvPr id="9" name="Immagine 8" descr="Immagine che contiene tavolo&#10;&#10;Descrizione generata automaticamente">
+            <a:extLst>
+              <a:ext uri="{FF2B5EF4-FFF2-40B4-BE49-F238E27FC236}">
+                <a16:creationId xmlns:a16="http://schemas.microsoft.com/office/drawing/2014/main" id="{629BC83B-635C-4726-B1B9-C807DD536A86}"/>
+              </a:ext>
+            </a:extLst>
+          </p:cNvPr>
+          <p:cNvPicPr>
+            <a:picLocks noChangeAspect="1"/>
+          </p:cNvPicPr>
+          <p:nvPr/>
+        </p:nvPicPr>
+        <p:blipFill>
+          <a:blip r:embed="rId2">
+            <a:extLst>
+              <a:ext uri="{28A0092B-C50C-407E-A947-70E740481C1C}">
+                <a14:useLocalDpi xmlns:a14="http://schemas.microsoft.com/office/drawing/2010/main" val="0"/>
+              </a:ext>
+            </a:extLst>
+          </a:blip>
+          <a:stretch>
+            <a:fillRect/>
+          </a:stretch>
+        </p:blipFill>
+        <p:spPr>
+          <a:xfrm>
+            <a:off x="762600" y="444321"/>
+            <a:ext cx="10666800" cy="4305922"/>
+          </a:xfrm>
+          <a:prstGeom prst="rect">
+            <a:avLst/>
+          </a:prstGeom>
+        </p:spPr>
+      </p:pic>
+      <p:pic>
+        <p:nvPicPr>
+          <p:cNvPr id="11" name="Immagine 10">
+            <a:extLst>
+              <a:ext uri="{FF2B5EF4-FFF2-40B4-BE49-F238E27FC236}">
+                <a16:creationId xmlns:a16="http://schemas.microsoft.com/office/drawing/2014/main" id="{4769FEAB-E216-4AAF-9189-72EF39812222}"/>
+              </a:ext>
+            </a:extLst>
+          </p:cNvPr>
+          <p:cNvPicPr>
+            <a:picLocks noChangeAspect="1"/>
+          </p:cNvPicPr>
+          <p:nvPr/>
+        </p:nvPicPr>
+        <p:blipFill>
+          <a:blip r:embed="rId3">
+            <a:extLst>
+              <a:ext uri="{28A0092B-C50C-407E-A947-70E740481C1C}">
+                <a14:useLocalDpi xmlns:a14="http://schemas.microsoft.com/office/drawing/2010/main" val="0"/>
+              </a:ext>
+            </a:extLst>
+          </a:blip>
+          <a:stretch>
+            <a:fillRect/>
+          </a:stretch>
+        </p:blipFill>
+        <p:spPr>
+          <a:xfrm>
+            <a:off x="762599" y="4750243"/>
+            <a:ext cx="10666801" cy="1407927"/>
+          </a:xfrm>
+          <a:prstGeom prst="rect">
+            <a:avLst/>
+          </a:prstGeom>
+        </p:spPr>
+      </p:pic>
+    </p:spTree>
+    <p:extLst>
+      <p:ext uri="{BB962C8B-B14F-4D97-AF65-F5344CB8AC3E}">
+        <p14:creationId xmlns:p14="http://schemas.microsoft.com/office/powerpoint/2010/main" val="2479787657"/>
+      </p:ext>
+    </p:extLst>
+  </p:cSld>
+  <p:clrMapOvr>
+    <a:masterClrMapping/>
+  </p:clrMapOvr>
+</p:sld>
+</file>
+
+<file path=ppt/slides/slide7.xml><?xml version="1.0" encoding="utf-8"?>
+<p:sld xmlns:a="http://schemas.openxmlformats.org/drawingml/2006/main" xmlns:r="http://schemas.openxmlformats.org/officeDocument/2006/relationships" xmlns:p="http://schemas.openxmlformats.org/presentationml/2006/main">
+  <p:cSld>
+    <p:spTree>
+      <p:nvGrpSpPr>
+        <p:cNvPr id="1" name=""/>
+        <p:cNvGrpSpPr/>
+        <p:nvPr/>
+      </p:nvGrpSpPr>
+      <p:grpSpPr>
+        <a:xfrm>
+          <a:off x="0" y="0"/>
+          <a:ext cx="0" cy="0"/>
+          <a:chOff x="0" y="0"/>
+          <a:chExt cx="0" cy="0"/>
+        </a:xfrm>
+      </p:grpSpPr>
+      <p:sp>
+        <p:nvSpPr>
+          <p:cNvPr id="2" name="Titolo 1">
+            <a:extLst>
+              <a:ext uri="{FF2B5EF4-FFF2-40B4-BE49-F238E27FC236}">
+                <a16:creationId xmlns:a16="http://schemas.microsoft.com/office/drawing/2014/main" id="{2949CFA7-7793-486A-8513-FC1178AC3054}"/>
+              </a:ext>
+            </a:extLst>
+          </p:cNvPr>
+          <p:cNvSpPr>
+            <a:spLocks noGrp="1"/>
+          </p:cNvSpPr>
+          <p:nvPr>
+            <p:ph type="title"/>
+          </p:nvPr>
+        </p:nvSpPr>
+        <p:spPr/>
+        <p:txBody>
+          <a:bodyPr/>
+          <a:lstStyle/>
+          <a:p>
+            <a:r>
+              <a:rPr lang="it-IT" dirty="0"/>
+              <a:t>Generate </a:t>
+            </a:r>
+            <a:r>
+              <a:rPr lang="it-IT" dirty="0" err="1"/>
+              <a:t>Instances</a:t>
+            </a:r>
+            <a:endParaRPr lang="en-US" dirty="0"/>
+          </a:p>
+        </p:txBody>
+      </p:sp>
+      <p:pic>
+        <p:nvPicPr>
+          <p:cNvPr id="5" name="Segnaposto contenuto 4">
+            <a:extLst>
+              <a:ext uri="{FF2B5EF4-FFF2-40B4-BE49-F238E27FC236}">
+                <a16:creationId xmlns:a16="http://schemas.microsoft.com/office/drawing/2014/main" id="{55B3207D-7988-4FAD-A6A8-1148FEBCE47E}"/>
+              </a:ext>
+            </a:extLst>
+          </p:cNvPr>
+          <p:cNvPicPr>
+            <a:picLocks noGrp="1" noChangeAspect="1"/>
+          </p:cNvPicPr>
+          <p:nvPr>
+            <p:ph idx="1"/>
+          </p:nvPr>
+        </p:nvPicPr>
+        <p:blipFill>
+          <a:blip r:embed="rId2">
+            <a:extLst>
+              <a:ext uri="{28A0092B-C50C-407E-A947-70E740481C1C}">
+                <a14:useLocalDpi xmlns:a14="http://schemas.microsoft.com/office/drawing/2010/main" val="0"/>
+              </a:ext>
+            </a:extLst>
+          </a:blip>
+          <a:stretch>
+            <a:fillRect/>
+          </a:stretch>
+        </p:blipFill>
+        <p:spPr>
+          <a:xfrm>
+            <a:off x="762000" y="2508859"/>
+            <a:ext cx="6906884" cy="920141"/>
+          </a:xfrm>
+        </p:spPr>
+      </p:pic>
+      <p:pic>
+        <p:nvPicPr>
+          <p:cNvPr id="7" name="Immagine 6" descr="Immagine che contiene testo&#10;&#10;Descrizione generata automaticamente">
+            <a:extLst>
+              <a:ext uri="{FF2B5EF4-FFF2-40B4-BE49-F238E27FC236}">
+                <a16:creationId xmlns:a16="http://schemas.microsoft.com/office/drawing/2014/main" id="{AC5D6BB4-4362-4735-8052-3E799FC863F0}"/>
+              </a:ext>
+            </a:extLst>
+          </p:cNvPr>
+          <p:cNvPicPr>
+            <a:picLocks noChangeAspect="1"/>
+          </p:cNvPicPr>
+          <p:nvPr/>
+        </p:nvPicPr>
+        <p:blipFill>
+          <a:blip r:embed="rId3">
+            <a:extLst>
+              <a:ext uri="{28A0092B-C50C-407E-A947-70E740481C1C}">
+                <a14:useLocalDpi xmlns:a14="http://schemas.microsoft.com/office/drawing/2010/main" val="0"/>
+              </a:ext>
+            </a:extLst>
+          </a:blip>
+          <a:stretch>
+            <a:fillRect/>
+          </a:stretch>
+        </p:blipFill>
+        <p:spPr>
+          <a:xfrm>
+            <a:off x="762000" y="3573668"/>
+            <a:ext cx="5334000" cy="3008727"/>
+          </a:xfrm>
+          <a:prstGeom prst="rect">
+            <a:avLst/>
+          </a:prstGeom>
+        </p:spPr>
+      </p:pic>
+    </p:spTree>
+    <p:extLst>
+      <p:ext uri="{BB962C8B-B14F-4D97-AF65-F5344CB8AC3E}">
+        <p14:creationId xmlns:p14="http://schemas.microsoft.com/office/powerpoint/2010/main" val="2895095123"/>
+      </p:ext>
+    </p:extLst>
+  </p:cSld>
+  <p:clrMapOvr>
+    <a:masterClrMapping/>
+  </p:clrMapOvr>
+</p:sld>
+</file>
+
+<file path=ppt/slides/slide8.xml><?xml version="1.0" encoding="utf-8"?>
+<p:sld xmlns:a="http://schemas.openxmlformats.org/drawingml/2006/main" xmlns:r="http://schemas.openxmlformats.org/officeDocument/2006/relationships" xmlns:p="http://schemas.openxmlformats.org/presentationml/2006/main">
+  <p:cSld>
+    <p:spTree>
+      <p:nvGrpSpPr>
+        <p:cNvPr id="1" name=""/>
+        <p:cNvGrpSpPr/>
+        <p:nvPr/>
+      </p:nvGrpSpPr>
+      <p:grpSpPr>
+        <a:xfrm>
+          <a:off x="0" y="0"/>
+          <a:ext cx="0" cy="0"/>
+          <a:chOff x="0" y="0"/>
+          <a:chExt cx="0" cy="0"/>
+        </a:xfrm>
+      </p:grpSpPr>
+      <p:sp>
+        <p:nvSpPr>
+          <p:cNvPr id="2" name="Titolo 1">
+            <a:extLst>
+              <a:ext uri="{FF2B5EF4-FFF2-40B4-BE49-F238E27FC236}">
+                <a16:creationId xmlns:a16="http://schemas.microsoft.com/office/drawing/2014/main" id="{9246D79B-3F71-438E-B064-484EFF88B085}"/>
+              </a:ext>
+            </a:extLst>
+          </p:cNvPr>
+          <p:cNvSpPr>
+            <a:spLocks noGrp="1"/>
+          </p:cNvSpPr>
+          <p:nvPr>
+            <p:ph type="title"/>
+          </p:nvPr>
+        </p:nvSpPr>
+        <p:spPr>
+          <a:xfrm>
+            <a:off x="762000" y="466725"/>
+            <a:ext cx="9144000" cy="1263649"/>
+          </a:xfrm>
+        </p:spPr>
+        <p:txBody>
+          <a:bodyPr/>
+          <a:lstStyle/>
+          <a:p>
+            <a:r>
+              <a:rPr lang="it-IT" dirty="0" err="1"/>
+              <a:t>Extract</a:t>
+            </a:r>
+            <a:r>
+              <a:rPr lang="it-IT" dirty="0"/>
+              <a:t> </a:t>
+            </a:r>
+            <a:r>
+              <a:rPr lang="it-IT" dirty="0" err="1"/>
+              <a:t>instances</a:t>
+            </a:r>
+            <a:endParaRPr lang="en-US" dirty="0"/>
+          </a:p>
+        </p:txBody>
+      </p:sp>
+      <p:pic>
+        <p:nvPicPr>
+          <p:cNvPr id="5" name="Segnaposto contenuto 4" descr="Immagine che contiene testo&#10;&#10;Descrizione generata automaticamente">
+            <a:extLst>
+              <a:ext uri="{FF2B5EF4-FFF2-40B4-BE49-F238E27FC236}">
+                <a16:creationId xmlns:a16="http://schemas.microsoft.com/office/drawing/2014/main" id="{9880F657-7C03-4CDC-846E-B84F492EE628}"/>
+              </a:ext>
+            </a:extLst>
+          </p:cNvPr>
+          <p:cNvPicPr>
+            <a:picLocks noGrp="1" noChangeAspect="1"/>
+          </p:cNvPicPr>
+          <p:nvPr>
+            <p:ph idx="1"/>
+          </p:nvPr>
+        </p:nvPicPr>
+        <p:blipFill>
+          <a:blip r:embed="rId2">
+            <a:extLst>
+              <a:ext uri="{28A0092B-C50C-407E-A947-70E740481C1C}">
+                <a14:useLocalDpi xmlns:a14="http://schemas.microsoft.com/office/drawing/2010/main" val="0"/>
+              </a:ext>
+            </a:extLst>
+          </a:blip>
+          <a:stretch>
+            <a:fillRect/>
+          </a:stretch>
+        </p:blipFill>
+        <p:spPr>
+          <a:xfrm>
+            <a:off x="762000" y="1449313"/>
+            <a:ext cx="7296150" cy="4941962"/>
+          </a:xfrm>
+        </p:spPr>
+      </p:pic>
+    </p:spTree>
+    <p:extLst>
+      <p:ext uri="{BB962C8B-B14F-4D97-AF65-F5344CB8AC3E}">
+        <p14:creationId xmlns:p14="http://schemas.microsoft.com/office/powerpoint/2010/main" val="3294054759"/>
+      </p:ext>
+    </p:extLst>
+  </p:cSld>
+  <p:clrMapOvr>
+    <a:masterClrMapping/>
+  </p:clrMapOvr>
+</p:sld>
+</file>
+
+<file path=ppt/slides/slide9.xml><?xml version="1.0" encoding="utf-8"?>
+<p:sld xmlns:a="http://schemas.openxmlformats.org/drawingml/2006/main" xmlns:r="http://schemas.openxmlformats.org/officeDocument/2006/relationships" xmlns:p="http://schemas.openxmlformats.org/presentationml/2006/main">
+  <p:cSld>
+    <p:spTree>
+      <p:nvGrpSpPr>
+        <p:cNvPr id="1" name=""/>
+        <p:cNvGrpSpPr/>
+        <p:nvPr/>
+      </p:nvGrpSpPr>
+      <p:grpSpPr>
+        <a:xfrm>
+          <a:off x="0" y="0"/>
+          <a:ext cx="0" cy="0"/>
+          <a:chOff x="0" y="0"/>
+          <a:chExt cx="0" cy="0"/>
+        </a:xfrm>
+      </p:grpSpPr>
+      <p:sp>
+        <p:nvSpPr>
+          <p:cNvPr id="2" name="Titolo 1">
+            <a:extLst>
+              <a:ext uri="{FF2B5EF4-FFF2-40B4-BE49-F238E27FC236}">
+                <a16:creationId xmlns:a16="http://schemas.microsoft.com/office/drawing/2014/main" id="{5568CC58-89C6-484B-A98E-89BCC5F0E497}"/>
+              </a:ext>
+            </a:extLst>
+          </p:cNvPr>
+          <p:cNvSpPr>
+            <a:spLocks noGrp="1"/>
+          </p:cNvSpPr>
+          <p:nvPr>
+            <p:ph type="title"/>
+          </p:nvPr>
+        </p:nvSpPr>
+        <p:spPr/>
+        <p:txBody>
+          <a:bodyPr/>
+          <a:lstStyle/>
+          <a:p>
+            <a:r>
+              <a:rPr lang="it-IT" dirty="0" err="1"/>
+              <a:t>Implement</a:t>
+            </a:r>
+            <a:r>
+              <a:rPr lang="it-IT" dirty="0"/>
+              <a:t> GUI</a:t>
+            </a:r>
+            <a:endParaRPr lang="en-US" dirty="0"/>
+          </a:p>
+        </p:txBody>
+      </p:sp>
+      <p:pic>
+        <p:nvPicPr>
+          <p:cNvPr id="5" name="Segnaposto contenuto 4">
+            <a:extLst>
+              <a:ext uri="{FF2B5EF4-FFF2-40B4-BE49-F238E27FC236}">
+                <a16:creationId xmlns:a16="http://schemas.microsoft.com/office/drawing/2014/main" id="{C0987D90-8011-4122-AD03-980EA1CF6BA1}"/>
+              </a:ext>
+            </a:extLst>
+          </p:cNvPr>
+          <p:cNvPicPr>
+            <a:picLocks noGrp="1" noChangeAspect="1"/>
+          </p:cNvPicPr>
+          <p:nvPr>
+            <p:ph idx="1"/>
+          </p:nvPr>
+        </p:nvPicPr>
+        <p:blipFill>
+          <a:blip r:embed="rId2">
+            <a:extLst>
+              <a:ext uri="{28A0092B-C50C-407E-A947-70E740481C1C}">
+                <a14:useLocalDpi xmlns:a14="http://schemas.microsoft.com/office/drawing/2010/main" val="0"/>
+              </a:ext>
+            </a:extLst>
+          </a:blip>
+          <a:stretch>
+            <a:fillRect/>
+          </a:stretch>
+        </p:blipFill>
+        <p:spPr>
+          <a:xfrm>
+            <a:off x="4035688" y="2352675"/>
+            <a:ext cx="4857665" cy="3695700"/>
+          </a:xfrm>
+        </p:spPr>
+      </p:pic>
+    </p:spTree>
+    <p:extLst>
+      <p:ext uri="{BB962C8B-B14F-4D97-AF65-F5344CB8AC3E}">
+        <p14:creationId xmlns:p14="http://schemas.microsoft.com/office/powerpoint/2010/main" val="3700653118"/>
+      </p:ext>
+    </p:extLst>
+  </p:cSld>
+  <p:clrMapOvr>
+    <a:masterClrMapping/>
+  </p:clrMapOvr>
+</p:sld>
+</file>
+
 <file path=ppt/theme/theme1.xml><?xml version="1.0" encoding="utf-8"?>
 <a:theme xmlns:a="http://schemas.openxmlformats.org/drawingml/2006/main" name="TornVTI">
   <a:themeElements>
